--- a/analyses/casestudy2_asthma/Figures/asthmaResults.pptx
+++ b/analyses/casestudy2_asthma/Figures/asthmaResults.pptx
@@ -208,7 +208,7 @@
           <a:p>
             <a:fld id="{D88FDA94-3028-154F-9925-79A44D3CB49B}" type="datetimeFigureOut">
               <a:rPr lang="en-US" smtClean="0"/>
-              <a:t>2/22/18</a:t>
+              <a:t>10/11/18</a:t>
             </a:fld>
             <a:endParaRPr lang="en-US"/>
           </a:p>
@@ -272,38 +272,37 @@
           <a:p>
             <a:pPr lvl="0"/>
             <a:r>
-              <a:rPr lang="en-US" smtClean="0"/>
+              <a:rPr lang="en-US"/>
               <a:t>Click to edit Master text styles</a:t>
             </a:r>
           </a:p>
           <a:p>
             <a:pPr lvl="1"/>
             <a:r>
-              <a:rPr lang="en-US" smtClean="0"/>
+              <a:rPr lang="en-US"/>
               <a:t>Second level</a:t>
             </a:r>
           </a:p>
           <a:p>
             <a:pPr lvl="2"/>
             <a:r>
-              <a:rPr lang="en-US" smtClean="0"/>
+              <a:rPr lang="en-US"/>
               <a:t>Third level</a:t>
             </a:r>
           </a:p>
           <a:p>
             <a:pPr lvl="3"/>
             <a:r>
-              <a:rPr lang="en-US" smtClean="0"/>
+              <a:rPr lang="en-US"/>
               <a:t>Fourth level</a:t>
             </a:r>
           </a:p>
           <a:p>
             <a:pPr lvl="4"/>
             <a:r>
-              <a:rPr lang="en-US" smtClean="0"/>
+              <a:rPr lang="en-US"/>
               <a:t>Fifth level</a:t>
             </a:r>
-            <a:endParaRPr lang="en-US"/>
           </a:p>
         </p:txBody>
       </p:sp>
@@ -518,10 +517,9 @@
           </a:lstStyle>
           <a:p>
             <a:r>
-              <a:rPr lang="en-US" smtClean="0"/>
+              <a:rPr lang="en-US"/>
               <a:t>Click to edit Master title style</a:t>
             </a:r>
-            <a:endParaRPr lang="en-US"/>
           </a:p>
         </p:txBody>
       </p:sp>
@@ -583,10 +581,9 @@
           </a:lstStyle>
           <a:p>
             <a:r>
-              <a:rPr lang="en-US" smtClean="0"/>
+              <a:rPr lang="en-US"/>
               <a:t>Click to edit Master subtitle style</a:t>
             </a:r>
-            <a:endParaRPr lang="en-US"/>
           </a:p>
         </p:txBody>
       </p:sp>
@@ -607,7 +604,7 @@
           <a:p>
             <a:fld id="{CB34F047-86A8-A44D-8F10-D5DF9101F963}" type="datetimeFigureOut">
               <a:rPr lang="en-US" smtClean="0"/>
-              <a:t>2/22/18</a:t>
+              <a:t>10/11/18</a:t>
             </a:fld>
             <a:endParaRPr lang="en-US"/>
           </a:p>
@@ -701,10 +698,9 @@
           <a:lstStyle/>
           <a:p>
             <a:r>
-              <a:rPr lang="en-US" smtClean="0"/>
+              <a:rPr lang="en-US"/>
               <a:t>Click to edit Master title style</a:t>
             </a:r>
-            <a:endParaRPr lang="en-US"/>
           </a:p>
         </p:txBody>
       </p:sp>
@@ -725,38 +721,37 @@
           <a:p>
             <a:pPr lvl="0"/>
             <a:r>
-              <a:rPr lang="en-US" smtClean="0"/>
+              <a:rPr lang="en-US"/>
               <a:t>Click to edit Master text styles</a:t>
             </a:r>
           </a:p>
           <a:p>
             <a:pPr lvl="1"/>
             <a:r>
-              <a:rPr lang="en-US" smtClean="0"/>
+              <a:rPr lang="en-US"/>
               <a:t>Second level</a:t>
             </a:r>
           </a:p>
           <a:p>
             <a:pPr lvl="2"/>
             <a:r>
-              <a:rPr lang="en-US" smtClean="0"/>
+              <a:rPr lang="en-US"/>
               <a:t>Third level</a:t>
             </a:r>
           </a:p>
           <a:p>
             <a:pPr lvl="3"/>
             <a:r>
-              <a:rPr lang="en-US" smtClean="0"/>
+              <a:rPr lang="en-US"/>
               <a:t>Fourth level</a:t>
             </a:r>
           </a:p>
           <a:p>
             <a:pPr lvl="4"/>
             <a:r>
-              <a:rPr lang="en-US" smtClean="0"/>
+              <a:rPr lang="en-US"/>
               <a:t>Fifth level</a:t>
             </a:r>
-            <a:endParaRPr lang="en-US"/>
           </a:p>
         </p:txBody>
       </p:sp>
@@ -777,7 +772,7 @@
           <a:p>
             <a:fld id="{CB34F047-86A8-A44D-8F10-D5DF9101F963}" type="datetimeFigureOut">
               <a:rPr lang="en-US" smtClean="0"/>
-              <a:t>2/22/18</a:t>
+              <a:t>10/11/18</a:t>
             </a:fld>
             <a:endParaRPr lang="en-US"/>
           </a:p>
@@ -876,10 +871,9 @@
           <a:lstStyle/>
           <a:p>
             <a:r>
-              <a:rPr lang="en-US" smtClean="0"/>
+              <a:rPr lang="en-US"/>
               <a:t>Click to edit Master title style</a:t>
             </a:r>
-            <a:endParaRPr lang="en-US"/>
           </a:p>
         </p:txBody>
       </p:sp>
@@ -905,38 +899,37 @@
           <a:p>
             <a:pPr lvl="0"/>
             <a:r>
-              <a:rPr lang="en-US" smtClean="0"/>
+              <a:rPr lang="en-US"/>
               <a:t>Click to edit Master text styles</a:t>
             </a:r>
           </a:p>
           <a:p>
             <a:pPr lvl="1"/>
             <a:r>
-              <a:rPr lang="en-US" smtClean="0"/>
+              <a:rPr lang="en-US"/>
               <a:t>Second level</a:t>
             </a:r>
           </a:p>
           <a:p>
             <a:pPr lvl="2"/>
             <a:r>
-              <a:rPr lang="en-US" smtClean="0"/>
+              <a:rPr lang="en-US"/>
               <a:t>Third level</a:t>
             </a:r>
           </a:p>
           <a:p>
             <a:pPr lvl="3"/>
             <a:r>
-              <a:rPr lang="en-US" smtClean="0"/>
+              <a:rPr lang="en-US"/>
               <a:t>Fourth level</a:t>
             </a:r>
           </a:p>
           <a:p>
             <a:pPr lvl="4"/>
             <a:r>
-              <a:rPr lang="en-US" smtClean="0"/>
+              <a:rPr lang="en-US"/>
               <a:t>Fifth level</a:t>
             </a:r>
-            <a:endParaRPr lang="en-US"/>
           </a:p>
         </p:txBody>
       </p:sp>
@@ -957,7 +950,7 @@
           <a:p>
             <a:fld id="{CB34F047-86A8-A44D-8F10-D5DF9101F963}" type="datetimeFigureOut">
               <a:rPr lang="en-US" smtClean="0"/>
-              <a:t>2/22/18</a:t>
+              <a:t>10/11/18</a:t>
             </a:fld>
             <a:endParaRPr lang="en-US"/>
           </a:p>
@@ -1051,10 +1044,9 @@
           <a:lstStyle/>
           <a:p>
             <a:r>
-              <a:rPr lang="en-US" smtClean="0"/>
+              <a:rPr lang="en-US"/>
               <a:t>Click to edit Master title style</a:t>
             </a:r>
-            <a:endParaRPr lang="en-US"/>
           </a:p>
         </p:txBody>
       </p:sp>
@@ -1075,38 +1067,37 @@
           <a:p>
             <a:pPr lvl="0"/>
             <a:r>
-              <a:rPr lang="en-US" smtClean="0"/>
+              <a:rPr lang="en-US"/>
               <a:t>Click to edit Master text styles</a:t>
             </a:r>
           </a:p>
           <a:p>
             <a:pPr lvl="1"/>
             <a:r>
-              <a:rPr lang="en-US" smtClean="0"/>
+              <a:rPr lang="en-US"/>
               <a:t>Second level</a:t>
             </a:r>
           </a:p>
           <a:p>
             <a:pPr lvl="2"/>
             <a:r>
-              <a:rPr lang="en-US" smtClean="0"/>
+              <a:rPr lang="en-US"/>
               <a:t>Third level</a:t>
             </a:r>
           </a:p>
           <a:p>
             <a:pPr lvl="3"/>
             <a:r>
-              <a:rPr lang="en-US" smtClean="0"/>
+              <a:rPr lang="en-US"/>
               <a:t>Fourth level</a:t>
             </a:r>
           </a:p>
           <a:p>
             <a:pPr lvl="4"/>
             <a:r>
-              <a:rPr lang="en-US" smtClean="0"/>
+              <a:rPr lang="en-US"/>
               <a:t>Fifth level</a:t>
             </a:r>
-            <a:endParaRPr lang="en-US"/>
           </a:p>
         </p:txBody>
       </p:sp>
@@ -1127,7 +1118,7 @@
           <a:p>
             <a:fld id="{CB34F047-86A8-A44D-8F10-D5DF9101F963}" type="datetimeFigureOut">
               <a:rPr lang="en-US" smtClean="0"/>
-              <a:t>2/22/18</a:t>
+              <a:t>10/11/18</a:t>
             </a:fld>
             <a:endParaRPr lang="en-US"/>
           </a:p>
@@ -1230,10 +1221,9 @@
           </a:lstStyle>
           <a:p>
             <a:r>
-              <a:rPr lang="en-US" smtClean="0"/>
+              <a:rPr lang="en-US"/>
               <a:t>Click to edit Master title style</a:t>
             </a:r>
-            <a:endParaRPr lang="en-US"/>
           </a:p>
         </p:txBody>
       </p:sp>
@@ -1350,7 +1340,7 @@
           <a:p>
             <a:pPr lvl="0"/>
             <a:r>
-              <a:rPr lang="en-US" smtClean="0"/>
+              <a:rPr lang="en-US"/>
               <a:t>Click to edit Master text styles</a:t>
             </a:r>
           </a:p>
@@ -1373,7 +1363,7 @@
           <a:p>
             <a:fld id="{CB34F047-86A8-A44D-8F10-D5DF9101F963}" type="datetimeFigureOut">
               <a:rPr lang="en-US" smtClean="0"/>
-              <a:t>2/22/18</a:t>
+              <a:t>10/11/18</a:t>
             </a:fld>
             <a:endParaRPr lang="en-US"/>
           </a:p>
@@ -1467,10 +1457,9 @@
           <a:lstStyle/>
           <a:p>
             <a:r>
-              <a:rPr lang="en-US" smtClean="0"/>
+              <a:rPr lang="en-US"/>
               <a:t>Click to edit Master title style</a:t>
             </a:r>
-            <a:endParaRPr lang="en-US"/>
           </a:p>
         </p:txBody>
       </p:sp>
@@ -1496,38 +1485,37 @@
           <a:p>
             <a:pPr lvl="0"/>
             <a:r>
-              <a:rPr lang="en-US" smtClean="0"/>
+              <a:rPr lang="en-US"/>
               <a:t>Click to edit Master text styles</a:t>
             </a:r>
           </a:p>
           <a:p>
             <a:pPr lvl="1"/>
             <a:r>
-              <a:rPr lang="en-US" smtClean="0"/>
+              <a:rPr lang="en-US"/>
               <a:t>Second level</a:t>
             </a:r>
           </a:p>
           <a:p>
             <a:pPr lvl="2"/>
             <a:r>
-              <a:rPr lang="en-US" smtClean="0"/>
+              <a:rPr lang="en-US"/>
               <a:t>Third level</a:t>
             </a:r>
           </a:p>
           <a:p>
             <a:pPr lvl="3"/>
             <a:r>
-              <a:rPr lang="en-US" smtClean="0"/>
+              <a:rPr lang="en-US"/>
               <a:t>Fourth level</a:t>
             </a:r>
           </a:p>
           <a:p>
             <a:pPr lvl="4"/>
             <a:r>
-              <a:rPr lang="en-US" smtClean="0"/>
+              <a:rPr lang="en-US"/>
               <a:t>Fifth level</a:t>
             </a:r>
-            <a:endParaRPr lang="en-US"/>
           </a:p>
         </p:txBody>
       </p:sp>
@@ -1553,38 +1541,37 @@
           <a:p>
             <a:pPr lvl="0"/>
             <a:r>
-              <a:rPr lang="en-US" smtClean="0"/>
+              <a:rPr lang="en-US"/>
               <a:t>Click to edit Master text styles</a:t>
             </a:r>
           </a:p>
           <a:p>
             <a:pPr lvl="1"/>
             <a:r>
-              <a:rPr lang="en-US" smtClean="0"/>
+              <a:rPr lang="en-US"/>
               <a:t>Second level</a:t>
             </a:r>
           </a:p>
           <a:p>
             <a:pPr lvl="2"/>
             <a:r>
-              <a:rPr lang="en-US" smtClean="0"/>
+              <a:rPr lang="en-US"/>
               <a:t>Third level</a:t>
             </a:r>
           </a:p>
           <a:p>
             <a:pPr lvl="3"/>
             <a:r>
-              <a:rPr lang="en-US" smtClean="0"/>
+              <a:rPr lang="en-US"/>
               <a:t>Fourth level</a:t>
             </a:r>
           </a:p>
           <a:p>
             <a:pPr lvl="4"/>
             <a:r>
-              <a:rPr lang="en-US" smtClean="0"/>
+              <a:rPr lang="en-US"/>
               <a:t>Fifth level</a:t>
             </a:r>
-            <a:endParaRPr lang="en-US"/>
           </a:p>
         </p:txBody>
       </p:sp>
@@ -1605,7 +1592,7 @@
           <a:p>
             <a:fld id="{CB34F047-86A8-A44D-8F10-D5DF9101F963}" type="datetimeFigureOut">
               <a:rPr lang="en-US" smtClean="0"/>
-              <a:t>2/22/18</a:t>
+              <a:t>10/11/18</a:t>
             </a:fld>
             <a:endParaRPr lang="en-US"/>
           </a:p>
@@ -1704,10 +1691,9 @@
           <a:lstStyle/>
           <a:p>
             <a:r>
-              <a:rPr lang="en-US" smtClean="0"/>
+              <a:rPr lang="en-US"/>
               <a:t>Click to edit Master title style</a:t>
             </a:r>
-            <a:endParaRPr lang="en-US"/>
           </a:p>
         </p:txBody>
       </p:sp>
@@ -1770,7 +1756,7 @@
           <a:p>
             <a:pPr lvl="0"/>
             <a:r>
-              <a:rPr lang="en-US" smtClean="0"/>
+              <a:rPr lang="en-US"/>
               <a:t>Click to edit Master text styles</a:t>
             </a:r>
           </a:p>
@@ -1798,38 +1784,37 @@
           <a:p>
             <a:pPr lvl="0"/>
             <a:r>
-              <a:rPr lang="en-US" smtClean="0"/>
+              <a:rPr lang="en-US"/>
               <a:t>Click to edit Master text styles</a:t>
             </a:r>
           </a:p>
           <a:p>
             <a:pPr lvl="1"/>
             <a:r>
-              <a:rPr lang="en-US" smtClean="0"/>
+              <a:rPr lang="en-US"/>
               <a:t>Second level</a:t>
             </a:r>
           </a:p>
           <a:p>
             <a:pPr lvl="2"/>
             <a:r>
-              <a:rPr lang="en-US" smtClean="0"/>
+              <a:rPr lang="en-US"/>
               <a:t>Third level</a:t>
             </a:r>
           </a:p>
           <a:p>
             <a:pPr lvl="3"/>
             <a:r>
-              <a:rPr lang="en-US" smtClean="0"/>
+              <a:rPr lang="en-US"/>
               <a:t>Fourth level</a:t>
             </a:r>
           </a:p>
           <a:p>
             <a:pPr lvl="4"/>
             <a:r>
-              <a:rPr lang="en-US" smtClean="0"/>
+              <a:rPr lang="en-US"/>
               <a:t>Fifth level</a:t>
             </a:r>
-            <a:endParaRPr lang="en-US"/>
           </a:p>
         </p:txBody>
       </p:sp>
@@ -1892,7 +1877,7 @@
           <a:p>
             <a:pPr lvl="0"/>
             <a:r>
-              <a:rPr lang="en-US" smtClean="0"/>
+              <a:rPr lang="en-US"/>
               <a:t>Click to edit Master text styles</a:t>
             </a:r>
           </a:p>
@@ -1920,38 +1905,37 @@
           <a:p>
             <a:pPr lvl="0"/>
             <a:r>
-              <a:rPr lang="en-US" smtClean="0"/>
+              <a:rPr lang="en-US"/>
               <a:t>Click to edit Master text styles</a:t>
             </a:r>
           </a:p>
           <a:p>
             <a:pPr lvl="1"/>
             <a:r>
-              <a:rPr lang="en-US" smtClean="0"/>
+              <a:rPr lang="en-US"/>
               <a:t>Second level</a:t>
             </a:r>
           </a:p>
           <a:p>
             <a:pPr lvl="2"/>
             <a:r>
-              <a:rPr lang="en-US" smtClean="0"/>
+              <a:rPr lang="en-US"/>
               <a:t>Third level</a:t>
             </a:r>
           </a:p>
           <a:p>
             <a:pPr lvl="3"/>
             <a:r>
-              <a:rPr lang="en-US" smtClean="0"/>
+              <a:rPr lang="en-US"/>
               <a:t>Fourth level</a:t>
             </a:r>
           </a:p>
           <a:p>
             <a:pPr lvl="4"/>
             <a:r>
-              <a:rPr lang="en-US" smtClean="0"/>
+              <a:rPr lang="en-US"/>
               <a:t>Fifth level</a:t>
             </a:r>
-            <a:endParaRPr lang="en-US"/>
           </a:p>
         </p:txBody>
       </p:sp>
@@ -1972,7 +1956,7 @@
           <a:p>
             <a:fld id="{CB34F047-86A8-A44D-8F10-D5DF9101F963}" type="datetimeFigureOut">
               <a:rPr lang="en-US" smtClean="0"/>
-              <a:t>2/22/18</a:t>
+              <a:t>10/11/18</a:t>
             </a:fld>
             <a:endParaRPr lang="en-US"/>
           </a:p>
@@ -2066,10 +2050,9 @@
           <a:lstStyle/>
           <a:p>
             <a:r>
-              <a:rPr lang="en-US" smtClean="0"/>
+              <a:rPr lang="en-US"/>
               <a:t>Click to edit Master title style</a:t>
             </a:r>
-            <a:endParaRPr lang="en-US"/>
           </a:p>
         </p:txBody>
       </p:sp>
@@ -2090,7 +2073,7 @@
           <a:p>
             <a:fld id="{CB34F047-86A8-A44D-8F10-D5DF9101F963}" type="datetimeFigureOut">
               <a:rPr lang="en-US" smtClean="0"/>
-              <a:t>2/22/18</a:t>
+              <a:t>10/11/18</a:t>
             </a:fld>
             <a:endParaRPr lang="en-US"/>
           </a:p>
@@ -2185,7 +2168,7 @@
           <a:p>
             <a:fld id="{CB34F047-86A8-A44D-8F10-D5DF9101F963}" type="datetimeFigureOut">
               <a:rPr lang="en-US" smtClean="0"/>
-              <a:t>2/22/18</a:t>
+              <a:t>10/11/18</a:t>
             </a:fld>
             <a:endParaRPr lang="en-US"/>
           </a:p>
@@ -2288,10 +2271,9 @@
           </a:lstStyle>
           <a:p>
             <a:r>
-              <a:rPr lang="en-US" smtClean="0"/>
+              <a:rPr lang="en-US"/>
               <a:t>Click to edit Master title style</a:t>
             </a:r>
-            <a:endParaRPr lang="en-US"/>
           </a:p>
         </p:txBody>
       </p:sp>
@@ -2345,38 +2327,37 @@
           <a:p>
             <a:pPr lvl="0"/>
             <a:r>
-              <a:rPr lang="en-US" smtClean="0"/>
+              <a:rPr lang="en-US"/>
               <a:t>Click to edit Master text styles</a:t>
             </a:r>
           </a:p>
           <a:p>
             <a:pPr lvl="1"/>
             <a:r>
-              <a:rPr lang="en-US" smtClean="0"/>
+              <a:rPr lang="en-US"/>
               <a:t>Second level</a:t>
             </a:r>
           </a:p>
           <a:p>
             <a:pPr lvl="2"/>
             <a:r>
-              <a:rPr lang="en-US" smtClean="0"/>
+              <a:rPr lang="en-US"/>
               <a:t>Third level</a:t>
             </a:r>
           </a:p>
           <a:p>
             <a:pPr lvl="3"/>
             <a:r>
-              <a:rPr lang="en-US" smtClean="0"/>
+              <a:rPr lang="en-US"/>
               <a:t>Fourth level</a:t>
             </a:r>
           </a:p>
           <a:p>
             <a:pPr lvl="4"/>
             <a:r>
-              <a:rPr lang="en-US" smtClean="0"/>
+              <a:rPr lang="en-US"/>
               <a:t>Fifth level</a:t>
             </a:r>
-            <a:endParaRPr lang="en-US"/>
           </a:p>
         </p:txBody>
       </p:sp>
@@ -2439,7 +2420,7 @@
           <a:p>
             <a:pPr lvl="0"/>
             <a:r>
-              <a:rPr lang="en-US" smtClean="0"/>
+              <a:rPr lang="en-US"/>
               <a:t>Click to edit Master text styles</a:t>
             </a:r>
           </a:p>
@@ -2462,7 +2443,7 @@
           <a:p>
             <a:fld id="{CB34F047-86A8-A44D-8F10-D5DF9101F963}" type="datetimeFigureOut">
               <a:rPr lang="en-US" smtClean="0"/>
-              <a:t>2/22/18</a:t>
+              <a:t>10/11/18</a:t>
             </a:fld>
             <a:endParaRPr lang="en-US"/>
           </a:p>
@@ -2565,10 +2546,9 @@
           </a:lstStyle>
           <a:p>
             <a:r>
-              <a:rPr lang="en-US" smtClean="0"/>
+              <a:rPr lang="en-US"/>
               <a:t>Click to edit Master title style</a:t>
             </a:r>
-            <a:endParaRPr lang="en-US"/>
           </a:p>
         </p:txBody>
       </p:sp>
@@ -2692,7 +2672,7 @@
           <a:p>
             <a:pPr lvl="0"/>
             <a:r>
-              <a:rPr lang="en-US" smtClean="0"/>
+              <a:rPr lang="en-US"/>
               <a:t>Click to edit Master text styles</a:t>
             </a:r>
           </a:p>
@@ -2715,7 +2695,7 @@
           <a:p>
             <a:fld id="{CB34F047-86A8-A44D-8F10-D5DF9101F963}" type="datetimeFigureOut">
               <a:rPr lang="en-US" smtClean="0"/>
-              <a:t>2/22/18</a:t>
+              <a:t>10/11/18</a:t>
             </a:fld>
             <a:endParaRPr lang="en-US"/>
           </a:p>
@@ -2824,10 +2804,9 @@
           <a:lstStyle/>
           <a:p>
             <a:r>
-              <a:rPr lang="en-US" smtClean="0"/>
+              <a:rPr lang="en-US"/>
               <a:t>Click to edit Master title style</a:t>
             </a:r>
-            <a:endParaRPr lang="en-US"/>
           </a:p>
         </p:txBody>
       </p:sp>
@@ -2858,38 +2837,37 @@
           <a:p>
             <a:pPr lvl="0"/>
             <a:r>
-              <a:rPr lang="en-US" smtClean="0"/>
+              <a:rPr lang="en-US"/>
               <a:t>Click to edit Master text styles</a:t>
             </a:r>
           </a:p>
           <a:p>
             <a:pPr lvl="1"/>
             <a:r>
-              <a:rPr lang="en-US" smtClean="0"/>
+              <a:rPr lang="en-US"/>
               <a:t>Second level</a:t>
             </a:r>
           </a:p>
           <a:p>
             <a:pPr lvl="2"/>
             <a:r>
-              <a:rPr lang="en-US" smtClean="0"/>
+              <a:rPr lang="en-US"/>
               <a:t>Third level</a:t>
             </a:r>
           </a:p>
           <a:p>
             <a:pPr lvl="3"/>
             <a:r>
-              <a:rPr lang="en-US" smtClean="0"/>
+              <a:rPr lang="en-US"/>
               <a:t>Fourth level</a:t>
             </a:r>
           </a:p>
           <a:p>
             <a:pPr lvl="4"/>
             <a:r>
-              <a:rPr lang="en-US" smtClean="0"/>
+              <a:rPr lang="en-US"/>
               <a:t>Fifth level</a:t>
             </a:r>
-            <a:endParaRPr lang="en-US"/>
           </a:p>
         </p:txBody>
       </p:sp>
@@ -2928,7 +2906,7 @@
           <a:p>
             <a:fld id="{CB34F047-86A8-A44D-8F10-D5DF9101F963}" type="datetimeFigureOut">
               <a:rPr lang="en-US" smtClean="0"/>
-              <a:t>2/22/18</a:t>
+              <a:t>10/11/18</a:t>
             </a:fld>
             <a:endParaRPr lang="en-US"/>
           </a:p>
@@ -4020,11 +3998,6 @@
               </a:rPr>
               <a:t>a</a:t>
             </a:r>
-            <a:endParaRPr lang="en-US" sz="2800" b="1" dirty="0">
-              <a:latin typeface="Arial" charset="0"/>
-              <a:ea typeface="Arial" charset="0"/>
-              <a:cs typeface="Arial" charset="0"/>
-            </a:endParaRPr>
           </a:p>
         </p:txBody>
       </p:sp>
@@ -4051,18 +4024,13 @@
           <a:lstStyle/>
           <a:p>
             <a:r>
-              <a:rPr lang="en-US" sz="2800" b="1" dirty="0" smtClean="0">
+              <a:rPr lang="en-US" sz="2800" b="1" dirty="0">
                 <a:latin typeface="Arial" charset="0"/>
                 <a:ea typeface="Arial" charset="0"/>
                 <a:cs typeface="Arial" charset="0"/>
               </a:rPr>
               <a:t>b</a:t>
             </a:r>
-            <a:endParaRPr lang="en-US" sz="2800" b="1" dirty="0">
-              <a:latin typeface="Arial" charset="0"/>
-              <a:ea typeface="Arial" charset="0"/>
-              <a:cs typeface="Arial" charset="0"/>
-            </a:endParaRPr>
           </a:p>
         </p:txBody>
       </p:sp>
@@ -4089,18 +4057,13 @@
           <a:lstStyle/>
           <a:p>
             <a:r>
-              <a:rPr lang="en-US" sz="2800" b="1" dirty="0" smtClean="0">
+              <a:rPr lang="en-US" sz="2800" b="1" dirty="0">
                 <a:latin typeface="Arial" charset="0"/>
                 <a:ea typeface="Arial" charset="0"/>
                 <a:cs typeface="Arial" charset="0"/>
               </a:rPr>
               <a:t>c</a:t>
             </a:r>
-            <a:endParaRPr lang="en-US" sz="2800" b="1" dirty="0">
-              <a:latin typeface="Arial" charset="0"/>
-              <a:ea typeface="Arial" charset="0"/>
-              <a:cs typeface="Arial" charset="0"/>
-            </a:endParaRPr>
           </a:p>
         </p:txBody>
       </p:sp>
@@ -4127,18 +4090,13 @@
           <a:lstStyle/>
           <a:p>
             <a:r>
-              <a:rPr lang="en-US" sz="2800" b="1" dirty="0" smtClean="0">
+              <a:rPr lang="en-US" sz="2800" b="1" dirty="0">
                 <a:latin typeface="Arial" charset="0"/>
                 <a:ea typeface="Arial" charset="0"/>
                 <a:cs typeface="Arial" charset="0"/>
               </a:rPr>
               <a:t>d</a:t>
             </a:r>
-            <a:endParaRPr lang="en-US" sz="2800" b="1" dirty="0">
-              <a:latin typeface="Arial" charset="0"/>
-              <a:ea typeface="Arial" charset="0"/>
-              <a:cs typeface="Arial" charset="0"/>
-            </a:endParaRPr>
           </a:p>
         </p:txBody>
       </p:sp>
@@ -4165,18 +4123,13 @@
           <a:lstStyle/>
           <a:p>
             <a:r>
-              <a:rPr lang="en-US" sz="2800" b="1" dirty="0" smtClean="0">
+              <a:rPr lang="en-US" sz="2800" b="1" dirty="0">
                 <a:latin typeface="Arial" charset="0"/>
                 <a:ea typeface="Arial" charset="0"/>
                 <a:cs typeface="Arial" charset="0"/>
               </a:rPr>
               <a:t>e</a:t>
             </a:r>
-            <a:endParaRPr lang="en-US" sz="2800" b="1" dirty="0">
-              <a:latin typeface="Arial" charset="0"/>
-              <a:ea typeface="Arial" charset="0"/>
-              <a:cs typeface="Arial" charset="0"/>
-            </a:endParaRPr>
           </a:p>
         </p:txBody>
       </p:sp>
@@ -4203,18 +4156,13 @@
           <a:lstStyle/>
           <a:p>
             <a:r>
-              <a:rPr lang="en-US" sz="2800" b="1" dirty="0" smtClean="0">
+              <a:rPr lang="en-US" sz="2800" b="1" dirty="0">
                 <a:latin typeface="Arial" charset="0"/>
                 <a:ea typeface="Arial" charset="0"/>
                 <a:cs typeface="Arial" charset="0"/>
               </a:rPr>
               <a:t>f</a:t>
             </a:r>
-            <a:endParaRPr lang="en-US" sz="2800" b="1" dirty="0">
-              <a:latin typeface="Arial" charset="0"/>
-              <a:ea typeface="Arial" charset="0"/>
-              <a:cs typeface="Arial" charset="0"/>
-            </a:endParaRPr>
           </a:p>
         </p:txBody>
       </p:sp>
@@ -4304,7 +4252,7 @@
           <a:p>
             <a:pPr algn="ctr"/>
             <a:r>
-              <a:rPr lang="en-US" sz="1400" smtClean="0"/>
+              <a:rPr lang="en-US" sz="1400"/>
               <a:t>Variance decomposition</a:t>
             </a:r>
             <a:endParaRPr lang="en-US" sz="1400" dirty="0"/>
@@ -4398,6 +4346,100 @@
           </a:prstGeom>
         </p:spPr>
       </p:pic>
+      <p:sp>
+        <p:nvSpPr>
+          <p:cNvPr id="18" name="TextBox 17">
+            <a:extLst>
+              <a:ext uri="{FF2B5EF4-FFF2-40B4-BE49-F238E27FC236}">
+                <a16:creationId xmlns:a16="http://schemas.microsoft.com/office/drawing/2014/main" id="{8C5FFFBB-D39F-F34A-A218-B67436671ED7}"/>
+              </a:ext>
+            </a:extLst>
+          </p:cNvPr>
+          <p:cNvSpPr txBox="1"/>
+          <p:nvPr/>
+        </p:nvSpPr>
+        <p:spPr>
+          <a:xfrm>
+            <a:off x="2844165" y="3430444"/>
+            <a:ext cx="2496389" cy="1477328"/>
+          </a:xfrm>
+          <a:prstGeom prst="rect">
+            <a:avLst/>
+          </a:prstGeom>
+          <a:noFill/>
+        </p:spPr>
+        <p:txBody>
+          <a:bodyPr wrap="none" rtlCol="0">
+            <a:spAutoFit/>
+          </a:bodyPr>
+          <a:lstStyle/>
+          <a:p>
+            <a:r>
+              <a:rPr lang="en-US" dirty="0">
+                <a:solidFill>
+                  <a:srgbClr val="FF0000"/>
+                </a:solidFill>
+              </a:rPr>
+              <a:t>remove d and e</a:t>
+            </a:r>
+          </a:p>
+          <a:p>
+            <a:r>
+              <a:rPr lang="en-US" dirty="0">
+                <a:solidFill>
+                  <a:srgbClr val="FF0000"/>
+                </a:solidFill>
+              </a:rPr>
+              <a:t>put in </a:t>
+            </a:r>
+            <a:r>
+              <a:rPr lang="en-US" dirty="0" err="1">
+                <a:solidFill>
+                  <a:srgbClr val="FF0000"/>
+                </a:solidFill>
+              </a:rPr>
+              <a:t>supp</a:t>
+            </a:r>
+            <a:endParaRPr lang="en-US" dirty="0">
+              <a:solidFill>
+                <a:srgbClr val="FF0000"/>
+              </a:solidFill>
+            </a:endParaRPr>
+          </a:p>
+          <a:p>
+            <a:r>
+              <a:rPr lang="en-US" dirty="0">
+                <a:solidFill>
+                  <a:srgbClr val="FF0000"/>
+                </a:solidFill>
+              </a:rPr>
+              <a:t>vertical text as an angle?</a:t>
+            </a:r>
+          </a:p>
+          <a:p>
+            <a:endParaRPr lang="en-US" dirty="0">
+              <a:solidFill>
+                <a:srgbClr val="FF0000"/>
+              </a:solidFill>
+            </a:endParaRPr>
+          </a:p>
+          <a:p>
+            <a:r>
+              <a:rPr lang="en-US">
+                <a:solidFill>
+                  <a:srgbClr val="FF0000"/>
+                </a:solidFill>
+              </a:rPr>
+              <a:t>vertical figure</a:t>
+            </a:r>
+            <a:endParaRPr lang="en-US" dirty="0">
+              <a:solidFill>
+                <a:srgbClr val="FF0000"/>
+              </a:solidFill>
+            </a:endParaRPr>
+          </a:p>
+        </p:txBody>
+      </p:sp>
     </p:spTree>
     <p:extLst>
       <p:ext uri="{BB962C8B-B14F-4D97-AF65-F5344CB8AC3E}">
@@ -4408,13 +4450,6 @@
   <p:clrMapOvr>
     <a:masterClrMapping/>
   </p:clrMapOvr>
-  <p:timing>
-    <p:tnLst>
-      <p:par>
-        <p:cTn id="1" dur="indefinite" restart="never" nodeType="tmRoot"/>
-      </p:par>
-    </p:tnLst>
-  </p:timing>
 </p:sld>
 </file>
 
